--- a/2016104166_조영호_최종.pptx
+++ b/2016104166_조영호_최종.pptx
@@ -14188,7 +14188,7 @@
         </p:nvSpPr>
         <p:spPr>
           <a:xfrm>
-            <a:off x="2734742" y="1920561"/>
+            <a:off x="2734742" y="2037106"/>
             <a:ext cx="6722517" cy="423011"/>
           </a:xfrm>
           <a:prstGeom prst="rect">
@@ -14261,6 +14261,30 @@
                 </a:solidFill>
               </a:rPr>
               <a:t>스마트폰에 근처 와이파이 스캔 기록을 통한 동선 추적</a:t>
+            </a:r>
+            <a:endParaRPr kumimoji="1" lang="en-US" altLang="ko-KR" sz="1600" dirty="0">
+              <a:solidFill>
+                <a:schemeClr val="tx1"/>
+              </a:solidFill>
+            </a:endParaRPr>
+          </a:p>
+          <a:p>
+            <a:pPr algn="ctr"/>
+            <a:r>
+              <a:rPr kumimoji="1" lang="ko-KR" altLang="en-US" sz="1600" dirty="0" err="1">
+                <a:solidFill>
+                  <a:schemeClr val="tx1"/>
+                </a:solidFill>
+              </a:rPr>
+              <a:t>공기계</a:t>
+            </a:r>
+            <a:r>
+              <a:rPr kumimoji="1" lang="ko-KR" altLang="en-US" sz="1600" dirty="0">
+                <a:solidFill>
+                  <a:schemeClr val="tx1"/>
+                </a:solidFill>
+              </a:rPr>
+              <a:t> 또한 위치 추적 가능</a:t>
             </a:r>
             <a:endParaRPr kumimoji="1" lang="ko-Kore-KR" altLang="en-US" sz="1600" dirty="0">
               <a:solidFill>

--- a/2016104166_조영호_최종.pptx
+++ b/2016104166_조영호_최종.pptx
@@ -19,20 +19,21 @@
     <p:sldId id="350" r:id="rId13"/>
     <p:sldId id="351" r:id="rId14"/>
     <p:sldId id="352" r:id="rId15"/>
-    <p:sldId id="365" r:id="rId16"/>
-    <p:sldId id="362" r:id="rId17"/>
-    <p:sldId id="356" r:id="rId18"/>
-    <p:sldId id="363" r:id="rId19"/>
-    <p:sldId id="364" r:id="rId20"/>
-    <p:sldId id="268" r:id="rId21"/>
+    <p:sldId id="366" r:id="rId16"/>
+    <p:sldId id="365" r:id="rId17"/>
+    <p:sldId id="362" r:id="rId18"/>
+    <p:sldId id="356" r:id="rId19"/>
+    <p:sldId id="363" r:id="rId20"/>
+    <p:sldId id="364" r:id="rId21"/>
+    <p:sldId id="268" r:id="rId22"/>
   </p:sldIdLst>
   <p:sldSz cx="12192000" cy="6858000"/>
   <p:notesSz cx="6858000" cy="9144000"/>
   <p:embeddedFontLst>
     <p:embeddedFont>
       <p:font typeface="맑은 고딕" panose="020B0503020000020004" pitchFamily="50" charset="-127"/>
-      <p:regular r:id="rId22"/>
-      <p:bold r:id="rId23"/>
+      <p:regular r:id="rId23"/>
+      <p:bold r:id="rId24"/>
     </p:embeddedFont>
   </p:embeddedFontLst>
   <p:defaultTextStyle>
@@ -4888,6 +4889,304 @@
 </file>
 
 <file path=ppt/slides/slide15.xml><?xml version="1.0" encoding="utf-8"?>
+<p:sld xmlns:a="http://schemas.openxmlformats.org/drawingml/2006/main" xmlns:r="http://schemas.openxmlformats.org/officeDocument/2006/relationships" xmlns:p="http://schemas.openxmlformats.org/presentationml/2006/main">
+  <p:cSld>
+    <p:spTree>
+      <p:nvGrpSpPr>
+        <p:cNvPr id="1" name=""/>
+        <p:cNvGrpSpPr/>
+        <p:nvPr/>
+      </p:nvGrpSpPr>
+      <p:grpSpPr>
+        <a:xfrm>
+          <a:off x="0" y="0"/>
+          <a:ext cx="0" cy="0"/>
+          <a:chOff x="0" y="0"/>
+          <a:chExt cx="0" cy="0"/>
+        </a:xfrm>
+      </p:grpSpPr>
+      <p:grpSp>
+        <p:nvGrpSpPr>
+          <p:cNvPr id="5" name="그룹 4">
+            <a:extLst>
+              <a:ext uri="{FF2B5EF4-FFF2-40B4-BE49-F238E27FC236}">
+                <a16:creationId xmlns:a16="http://schemas.microsoft.com/office/drawing/2014/main" id="{FED20348-43DE-DA24-35CB-945B166F4BFD}"/>
+              </a:ext>
+            </a:extLst>
+          </p:cNvPr>
+          <p:cNvGrpSpPr/>
+          <p:nvPr/>
+        </p:nvGrpSpPr>
+        <p:grpSpPr>
+          <a:xfrm>
+            <a:off x="3140707" y="415547"/>
+            <a:ext cx="5910592" cy="769441"/>
+            <a:chOff x="3140706" y="415547"/>
+            <a:chExt cx="5910592" cy="769441"/>
+          </a:xfrm>
+        </p:grpSpPr>
+        <p:sp>
+          <p:nvSpPr>
+            <p:cNvPr id="2" name="직사각형 1">
+              <a:extLst>
+                <a:ext uri="{FF2B5EF4-FFF2-40B4-BE49-F238E27FC236}">
+                  <a16:creationId xmlns:a16="http://schemas.microsoft.com/office/drawing/2014/main" id="{EE46C91D-437F-492B-89C7-856E2BD07DC8}"/>
+                </a:ext>
+              </a:extLst>
+            </p:cNvPr>
+            <p:cNvSpPr/>
+            <p:nvPr/>
+          </p:nvSpPr>
+          <p:spPr>
+            <a:xfrm>
+              <a:off x="3469432" y="1119674"/>
+              <a:ext cx="5253135" cy="65314"/>
+            </a:xfrm>
+            <a:prstGeom prst="rect">
+              <a:avLst/>
+            </a:prstGeom>
+            <a:solidFill>
+              <a:schemeClr val="tx1"/>
+            </a:solidFill>
+            <a:ln>
+              <a:noFill/>
+            </a:ln>
+          </p:spPr>
+          <p:style>
+            <a:lnRef idx="2">
+              <a:schemeClr val="accent1">
+                <a:shade val="50000"/>
+              </a:schemeClr>
+            </a:lnRef>
+            <a:fillRef idx="1">
+              <a:schemeClr val="accent1"/>
+            </a:fillRef>
+            <a:effectRef idx="0">
+              <a:schemeClr val="accent1"/>
+            </a:effectRef>
+            <a:fontRef idx="minor">
+              <a:schemeClr val="lt1"/>
+            </a:fontRef>
+          </p:style>
+          <p:txBody>
+            <a:bodyPr rtlCol="0" anchor="ctr"/>
+            <a:lstStyle/>
+            <a:p>
+              <a:pPr algn="ctr"/>
+              <a:endParaRPr lang="ko-KR" altLang="en-US"/>
+            </a:p>
+          </p:txBody>
+        </p:sp>
+        <p:sp>
+          <p:nvSpPr>
+            <p:cNvPr id="4" name="TextBox 3">
+              <a:extLst>
+                <a:ext uri="{FF2B5EF4-FFF2-40B4-BE49-F238E27FC236}">
+                  <a16:creationId xmlns:a16="http://schemas.microsoft.com/office/drawing/2014/main" id="{B4896BEB-16E4-4FBA-8805-37759E15C1AF}"/>
+                </a:ext>
+              </a:extLst>
+            </p:cNvPr>
+            <p:cNvSpPr txBox="1"/>
+            <p:nvPr/>
+          </p:nvSpPr>
+          <p:spPr>
+            <a:xfrm>
+              <a:off x="3140706" y="415547"/>
+              <a:ext cx="5910592" cy="769441"/>
+            </a:xfrm>
+            <a:prstGeom prst="rect">
+              <a:avLst/>
+            </a:prstGeom>
+            <a:noFill/>
+          </p:spPr>
+          <p:txBody>
+            <a:bodyPr wrap="none" rtlCol="0">
+              <a:spAutoFit/>
+            </a:bodyPr>
+            <a:lstStyle/>
+            <a:p>
+              <a:pPr algn="ctr"/>
+              <a:r>
+                <a:rPr lang="ko-KR" altLang="en-US" sz="4400" b="1" dirty="0">
+                  <a:ea typeface="나눔스퀘어 ExtraBold" panose="020B0600000101010101" pitchFamily="50" charset="-127"/>
+                </a:rPr>
+                <a:t>로그 추출 프로그램 동작</a:t>
+              </a:r>
+            </a:p>
+          </p:txBody>
+        </p:sp>
+      </p:grpSp>
+      <p:sp>
+        <p:nvSpPr>
+          <p:cNvPr id="9" name="직사각형 8"/>
+          <p:cNvSpPr/>
+          <p:nvPr/>
+        </p:nvSpPr>
+        <p:spPr>
+          <a:xfrm flipV="1">
+            <a:off x="0" y="6413881"/>
+            <a:ext cx="12192000" cy="100042"/>
+          </a:xfrm>
+          <a:prstGeom prst="rect">
+            <a:avLst/>
+          </a:prstGeom>
+          <a:solidFill>
+            <a:schemeClr val="tx1"/>
+          </a:solidFill>
+          <a:ln>
+            <a:noFill/>
+          </a:ln>
+        </p:spPr>
+        <p:style>
+          <a:lnRef idx="2">
+            <a:schemeClr val="accent1">
+              <a:shade val="50000"/>
+            </a:schemeClr>
+          </a:lnRef>
+          <a:fillRef idx="1">
+            <a:schemeClr val="accent1"/>
+          </a:fillRef>
+          <a:effectRef idx="0">
+            <a:schemeClr val="accent1"/>
+          </a:effectRef>
+          <a:fontRef idx="minor">
+            <a:schemeClr val="lt1"/>
+          </a:fontRef>
+        </p:style>
+        <p:txBody>
+          <a:bodyPr rtlCol="0" anchor="ctr"/>
+          <a:lstStyle/>
+          <a:p>
+            <a:pPr algn="ctr"/>
+            <a:endParaRPr lang="ko-KR" altLang="en-US"/>
+          </a:p>
+        </p:txBody>
+      </p:sp>
+      <p:grpSp>
+        <p:nvGrpSpPr>
+          <p:cNvPr id="22" name="그룹 21">
+            <a:extLst>
+              <a:ext uri="{FF2B5EF4-FFF2-40B4-BE49-F238E27FC236}">
+                <a16:creationId xmlns:a16="http://schemas.microsoft.com/office/drawing/2014/main" id="{40C5A6BC-BE9C-30F7-E48B-AB0ECC9F558A}"/>
+              </a:ext>
+            </a:extLst>
+          </p:cNvPr>
+          <p:cNvGrpSpPr/>
+          <p:nvPr/>
+        </p:nvGrpSpPr>
+        <p:grpSpPr>
+          <a:xfrm>
+            <a:off x="1963595" y="1457380"/>
+            <a:ext cx="8264810" cy="4684107"/>
+            <a:chOff x="1744454" y="1457380"/>
+            <a:chExt cx="8264810" cy="4684107"/>
+          </a:xfrm>
+        </p:grpSpPr>
+        <p:pic>
+          <p:nvPicPr>
+            <p:cNvPr id="13" name="그림 12">
+              <a:extLst>
+                <a:ext uri="{FF2B5EF4-FFF2-40B4-BE49-F238E27FC236}">
+                  <a16:creationId xmlns:a16="http://schemas.microsoft.com/office/drawing/2014/main" id="{F045AD9E-9B66-D57B-810A-0C5AF23DE980}"/>
+                </a:ext>
+              </a:extLst>
+            </p:cNvPr>
+            <p:cNvPicPr>
+              <a:picLocks noChangeAspect="1"/>
+            </p:cNvPicPr>
+            <p:nvPr/>
+          </p:nvPicPr>
+          <p:blipFill>
+            <a:blip r:embed="rId2"/>
+            <a:stretch>
+              <a:fillRect/>
+            </a:stretch>
+          </p:blipFill>
+          <p:spPr>
+            <a:xfrm>
+              <a:off x="4918894" y="1457382"/>
+              <a:ext cx="1915930" cy="4684105"/>
+            </a:xfrm>
+            <a:prstGeom prst="rect">
+              <a:avLst/>
+            </a:prstGeom>
+          </p:spPr>
+        </p:pic>
+        <p:pic>
+          <p:nvPicPr>
+            <p:cNvPr id="16" name="그림 15">
+              <a:extLst>
+                <a:ext uri="{FF2B5EF4-FFF2-40B4-BE49-F238E27FC236}">
+                  <a16:creationId xmlns:a16="http://schemas.microsoft.com/office/drawing/2014/main" id="{56F6B478-9382-AB42-62C5-8C58DE3E254D}"/>
+                </a:ext>
+              </a:extLst>
+            </p:cNvPr>
+            <p:cNvPicPr>
+              <a:picLocks noChangeAspect="1"/>
+            </p:cNvPicPr>
+            <p:nvPr/>
+          </p:nvPicPr>
+          <p:blipFill>
+            <a:blip r:embed="rId3"/>
+            <a:stretch>
+              <a:fillRect/>
+            </a:stretch>
+          </p:blipFill>
+          <p:spPr>
+            <a:xfrm>
+              <a:off x="8093334" y="1457381"/>
+              <a:ext cx="1915930" cy="4684105"/>
+            </a:xfrm>
+            <a:prstGeom prst="rect">
+              <a:avLst/>
+            </a:prstGeom>
+          </p:spPr>
+        </p:pic>
+        <p:pic>
+          <p:nvPicPr>
+            <p:cNvPr id="18" name="그림 17">
+              <a:extLst>
+                <a:ext uri="{FF2B5EF4-FFF2-40B4-BE49-F238E27FC236}">
+                  <a16:creationId xmlns:a16="http://schemas.microsoft.com/office/drawing/2014/main" id="{11A00C48-798A-1A59-2F19-735BBE75A4BD}"/>
+                </a:ext>
+              </a:extLst>
+            </p:cNvPr>
+            <p:cNvPicPr>
+              <a:picLocks noChangeAspect="1"/>
+            </p:cNvPicPr>
+            <p:nvPr/>
+          </p:nvPicPr>
+          <p:blipFill>
+            <a:blip r:embed="rId4"/>
+            <a:stretch>
+              <a:fillRect/>
+            </a:stretch>
+          </p:blipFill>
+          <p:spPr>
+            <a:xfrm>
+              <a:off x="1744454" y="1457380"/>
+              <a:ext cx="1915931" cy="4684105"/>
+            </a:xfrm>
+            <a:prstGeom prst="rect">
+              <a:avLst/>
+            </a:prstGeom>
+          </p:spPr>
+        </p:pic>
+      </p:grpSp>
+    </p:spTree>
+    <p:extLst>
+      <p:ext uri="{BB962C8B-B14F-4D97-AF65-F5344CB8AC3E}">
+        <p14:creationId xmlns:p14="http://schemas.microsoft.com/office/powerpoint/2010/main" val="1138620786"/>
+      </p:ext>
+    </p:extLst>
+  </p:cSld>
+  <p:clrMapOvr>
+    <a:masterClrMapping/>
+  </p:clrMapOvr>
+</p:sld>
+</file>
+
+<file path=ppt/slides/slide16.xml><?xml version="1.0" encoding="utf-8"?>
 <p:sld xmlns:a="http://schemas.openxmlformats.org/drawingml/2006/main" xmlns:r="http://schemas.openxmlformats.org/officeDocument/2006/relationships" xmlns:p="http://schemas.openxmlformats.org/presentationml/2006/main">
   <p:cSld>
     <p:spTree>
@@ -5933,7 +6232,7 @@
 </p:sld>
 </file>
 
-<file path=ppt/slides/slide16.xml><?xml version="1.0" encoding="utf-8"?>
+<file path=ppt/slides/slide17.xml><?xml version="1.0" encoding="utf-8"?>
 <p:sld xmlns:a="http://schemas.openxmlformats.org/drawingml/2006/main" xmlns:r="http://schemas.openxmlformats.org/officeDocument/2006/relationships" xmlns:p="http://schemas.openxmlformats.org/presentationml/2006/main">
   <p:cSld>
     <p:spTree>
@@ -6922,7 +7221,7 @@
 </p:sld>
 </file>
 
-<file path=ppt/slides/slide17.xml><?xml version="1.0" encoding="utf-8"?>
+<file path=ppt/slides/slide18.xml><?xml version="1.0" encoding="utf-8"?>
 <p:sld xmlns:a="http://schemas.openxmlformats.org/drawingml/2006/main" xmlns:r="http://schemas.openxmlformats.org/officeDocument/2006/relationships" xmlns:p="http://schemas.openxmlformats.org/presentationml/2006/main">
   <p:cSld>
     <p:spTree>
@@ -8191,7 +8490,7 @@
 </p:sld>
 </file>
 
-<file path=ppt/slides/slide18.xml><?xml version="1.0" encoding="utf-8"?>
+<file path=ppt/slides/slide19.xml><?xml version="1.0" encoding="utf-8"?>
 <p:sld xmlns:a="http://schemas.openxmlformats.org/drawingml/2006/main" xmlns:r="http://schemas.openxmlformats.org/officeDocument/2006/relationships" xmlns:p="http://schemas.openxmlformats.org/presentationml/2006/main">
   <p:cSld>
     <p:spTree>
@@ -9374,7 +9673,671 @@
 </p:sld>
 </file>
 
-<file path=ppt/slides/slide19.xml><?xml version="1.0" encoding="utf-8"?>
+<file path=ppt/slides/slide2.xml><?xml version="1.0" encoding="utf-8"?>
+<p:sld xmlns:a="http://schemas.openxmlformats.org/drawingml/2006/main" xmlns:r="http://schemas.openxmlformats.org/officeDocument/2006/relationships" xmlns:p="http://schemas.openxmlformats.org/presentationml/2006/main">
+  <p:cSld>
+    <p:spTree>
+      <p:nvGrpSpPr>
+        <p:cNvPr id="1" name=""/>
+        <p:cNvGrpSpPr/>
+        <p:nvPr/>
+      </p:nvGrpSpPr>
+      <p:grpSpPr>
+        <a:xfrm>
+          <a:off x="0" y="0"/>
+          <a:ext cx="0" cy="0"/>
+          <a:chOff x="0" y="0"/>
+          <a:chExt cx="0" cy="0"/>
+        </a:xfrm>
+      </p:grpSpPr>
+      <p:sp>
+        <p:nvSpPr>
+          <p:cNvPr id="9" name="직사각형 8"/>
+          <p:cNvSpPr/>
+          <p:nvPr/>
+        </p:nvSpPr>
+        <p:spPr>
+          <a:xfrm flipV="1">
+            <a:off x="0" y="6413881"/>
+            <a:ext cx="12192000" cy="100042"/>
+          </a:xfrm>
+          <a:prstGeom prst="rect">
+            <a:avLst/>
+          </a:prstGeom>
+          <a:solidFill>
+            <a:schemeClr val="tx1"/>
+          </a:solidFill>
+          <a:ln>
+            <a:noFill/>
+          </a:ln>
+        </p:spPr>
+        <p:style>
+          <a:lnRef idx="2">
+            <a:schemeClr val="accent1">
+              <a:shade val="50000"/>
+            </a:schemeClr>
+          </a:lnRef>
+          <a:fillRef idx="1">
+            <a:schemeClr val="accent1"/>
+          </a:fillRef>
+          <a:effectRef idx="0">
+            <a:schemeClr val="accent1"/>
+          </a:effectRef>
+          <a:fontRef idx="minor">
+            <a:schemeClr val="lt1"/>
+          </a:fontRef>
+        </p:style>
+        <p:txBody>
+          <a:bodyPr rtlCol="0" anchor="ctr"/>
+          <a:lstStyle/>
+          <a:p>
+            <a:pPr algn="ctr"/>
+            <a:endParaRPr lang="ko-KR" altLang="en-US"/>
+          </a:p>
+        </p:txBody>
+      </p:sp>
+      <p:sp>
+        <p:nvSpPr>
+          <p:cNvPr id="4" name="TextBox 3">
+            <a:extLst>
+              <a:ext uri="{FF2B5EF4-FFF2-40B4-BE49-F238E27FC236}">
+                <a16:creationId xmlns:a16="http://schemas.microsoft.com/office/drawing/2014/main" id="{B4896BEB-16E4-4FBA-8805-37759E15C1AF}"/>
+              </a:ext>
+            </a:extLst>
+          </p:cNvPr>
+          <p:cNvSpPr txBox="1"/>
+          <p:nvPr/>
+        </p:nvSpPr>
+        <p:spPr>
+          <a:xfrm>
+            <a:off x="5490706" y="415547"/>
+            <a:ext cx="1210588" cy="769441"/>
+          </a:xfrm>
+          <a:prstGeom prst="rect">
+            <a:avLst/>
+          </a:prstGeom>
+          <a:noFill/>
+        </p:spPr>
+        <p:txBody>
+          <a:bodyPr wrap="none" rtlCol="0">
+            <a:spAutoFit/>
+          </a:bodyPr>
+          <a:lstStyle/>
+          <a:p>
+            <a:pPr algn="ctr"/>
+            <a:r>
+              <a:rPr lang="ko-KR" altLang="en-US" sz="4400" b="1" dirty="0">
+                <a:ea typeface="나눔스퀘어 ExtraBold" panose="020B0600000101010101" pitchFamily="50" charset="-127"/>
+              </a:rPr>
+              <a:t>개요</a:t>
+            </a:r>
+          </a:p>
+        </p:txBody>
+      </p:sp>
+      <p:sp>
+        <p:nvSpPr>
+          <p:cNvPr id="6" name="직사각형 5">
+            <a:extLst>
+              <a:ext uri="{FF2B5EF4-FFF2-40B4-BE49-F238E27FC236}">
+                <a16:creationId xmlns:a16="http://schemas.microsoft.com/office/drawing/2014/main" id="{7B4FCEE1-FD72-BCCF-F21C-2D849A1967F4}"/>
+              </a:ext>
+            </a:extLst>
+          </p:cNvPr>
+          <p:cNvSpPr/>
+          <p:nvPr/>
+        </p:nvSpPr>
+        <p:spPr>
+          <a:xfrm>
+            <a:off x="3469433" y="1119674"/>
+            <a:ext cx="5253135" cy="65314"/>
+          </a:xfrm>
+          <a:prstGeom prst="rect">
+            <a:avLst/>
+          </a:prstGeom>
+          <a:solidFill>
+            <a:schemeClr val="tx1"/>
+          </a:solidFill>
+          <a:ln>
+            <a:noFill/>
+          </a:ln>
+        </p:spPr>
+        <p:style>
+          <a:lnRef idx="2">
+            <a:schemeClr val="accent1">
+              <a:shade val="50000"/>
+            </a:schemeClr>
+          </a:lnRef>
+          <a:fillRef idx="1">
+            <a:schemeClr val="accent1"/>
+          </a:fillRef>
+          <a:effectRef idx="0">
+            <a:schemeClr val="accent1"/>
+          </a:effectRef>
+          <a:fontRef idx="minor">
+            <a:schemeClr val="lt1"/>
+          </a:fontRef>
+        </p:style>
+        <p:txBody>
+          <a:bodyPr rtlCol="0" anchor="ctr"/>
+          <a:lstStyle/>
+          <a:p>
+            <a:pPr algn="ctr"/>
+            <a:endParaRPr lang="ko-KR" altLang="en-US"/>
+          </a:p>
+        </p:txBody>
+      </p:sp>
+      <p:sp>
+        <p:nvSpPr>
+          <p:cNvPr id="3" name="직사각형 2">
+            <a:extLst>
+              <a:ext uri="{FF2B5EF4-FFF2-40B4-BE49-F238E27FC236}">
+                <a16:creationId xmlns:a16="http://schemas.microsoft.com/office/drawing/2014/main" id="{A36DC1EC-264C-2A5A-289E-4A1AF896D2A3}"/>
+              </a:ext>
+            </a:extLst>
+          </p:cNvPr>
+          <p:cNvSpPr/>
+          <p:nvPr/>
+        </p:nvSpPr>
+        <p:spPr>
+          <a:xfrm>
+            <a:off x="3570637" y="1379607"/>
+            <a:ext cx="5050726" cy="423011"/>
+          </a:xfrm>
+          <a:prstGeom prst="rect">
+            <a:avLst/>
+          </a:prstGeom>
+          <a:solidFill>
+            <a:schemeClr val="bg1"/>
+          </a:solidFill>
+          <a:ln>
+            <a:solidFill>
+              <a:schemeClr val="tx1"/>
+            </a:solidFill>
+          </a:ln>
+        </p:spPr>
+        <p:style>
+          <a:lnRef idx="2">
+            <a:schemeClr val="accent1">
+              <a:shade val="50000"/>
+            </a:schemeClr>
+          </a:lnRef>
+          <a:fillRef idx="1">
+            <a:schemeClr val="accent1"/>
+          </a:fillRef>
+          <a:effectRef idx="0">
+            <a:schemeClr val="accent1"/>
+          </a:effectRef>
+          <a:fontRef idx="minor">
+            <a:schemeClr val="lt1"/>
+          </a:fontRef>
+        </p:style>
+        <p:txBody>
+          <a:bodyPr rtlCol="0" anchor="ctr"/>
+          <a:lstStyle/>
+          <a:p>
+            <a:pPr algn="ctr"/>
+            <a:r>
+              <a:rPr kumimoji="1" lang="ko-KR" altLang="en-US" dirty="0">
+                <a:solidFill>
+                  <a:schemeClr val="tx1"/>
+                </a:solidFill>
+              </a:rPr>
+              <a:t>디지털 포렌식</a:t>
+            </a:r>
+            <a:endParaRPr kumimoji="1" lang="ko-Kore-KR" altLang="en-US" dirty="0">
+              <a:solidFill>
+                <a:schemeClr val="tx1"/>
+              </a:solidFill>
+            </a:endParaRPr>
+          </a:p>
+        </p:txBody>
+      </p:sp>
+      <p:sp>
+        <p:nvSpPr>
+          <p:cNvPr id="11" name="직사각형 10">
+            <a:extLst>
+              <a:ext uri="{FF2B5EF4-FFF2-40B4-BE49-F238E27FC236}">
+                <a16:creationId xmlns:a16="http://schemas.microsoft.com/office/drawing/2014/main" id="{3CE35056-32E0-4CD1-F776-810460D09589}"/>
+              </a:ext>
+            </a:extLst>
+          </p:cNvPr>
+          <p:cNvSpPr/>
+          <p:nvPr/>
+        </p:nvSpPr>
+        <p:spPr>
+          <a:xfrm>
+            <a:off x="442552" y="1997237"/>
+            <a:ext cx="4405649" cy="423011"/>
+          </a:xfrm>
+          <a:prstGeom prst="rect">
+            <a:avLst/>
+          </a:prstGeom>
+          <a:solidFill>
+            <a:schemeClr val="bg1"/>
+          </a:solidFill>
+          <a:ln>
+            <a:solidFill>
+              <a:schemeClr val="tx1"/>
+            </a:solidFill>
+          </a:ln>
+        </p:spPr>
+        <p:style>
+          <a:lnRef idx="2">
+            <a:schemeClr val="accent1">
+              <a:shade val="50000"/>
+            </a:schemeClr>
+          </a:lnRef>
+          <a:fillRef idx="1">
+            <a:schemeClr val="accent1"/>
+          </a:fillRef>
+          <a:effectRef idx="0">
+            <a:schemeClr val="accent1"/>
+          </a:effectRef>
+          <a:fontRef idx="minor">
+            <a:schemeClr val="lt1"/>
+          </a:fontRef>
+        </p:style>
+        <p:txBody>
+          <a:bodyPr rtlCol="0" anchor="ctr"/>
+          <a:lstStyle/>
+          <a:p>
+            <a:pPr algn="ctr"/>
+            <a:r>
+              <a:rPr kumimoji="1" lang="ko-KR" altLang="en-US">
+                <a:solidFill>
+                  <a:schemeClr val="tx1"/>
+                </a:solidFill>
+              </a:rPr>
+              <a:t>모바일 포렌식</a:t>
+            </a:r>
+            <a:endParaRPr kumimoji="1" lang="ko-Kore-KR" altLang="en-US" dirty="0">
+              <a:solidFill>
+                <a:schemeClr val="tx1"/>
+              </a:solidFill>
+            </a:endParaRPr>
+          </a:p>
+        </p:txBody>
+      </p:sp>
+      <p:sp>
+        <p:nvSpPr>
+          <p:cNvPr id="12" name="직사각형 11">
+            <a:extLst>
+              <a:ext uri="{FF2B5EF4-FFF2-40B4-BE49-F238E27FC236}">
+                <a16:creationId xmlns:a16="http://schemas.microsoft.com/office/drawing/2014/main" id="{6FBBFF02-E29F-A468-49D4-FF10143B4B64}"/>
+              </a:ext>
+            </a:extLst>
+          </p:cNvPr>
+          <p:cNvSpPr/>
+          <p:nvPr/>
+        </p:nvSpPr>
+        <p:spPr>
+          <a:xfrm>
+            <a:off x="7343800" y="1997237"/>
+            <a:ext cx="4405649" cy="423011"/>
+          </a:xfrm>
+          <a:prstGeom prst="rect">
+            <a:avLst/>
+          </a:prstGeom>
+          <a:solidFill>
+            <a:schemeClr val="bg1"/>
+          </a:solidFill>
+          <a:ln>
+            <a:solidFill>
+              <a:schemeClr val="tx1"/>
+            </a:solidFill>
+          </a:ln>
+        </p:spPr>
+        <p:style>
+          <a:lnRef idx="2">
+            <a:schemeClr val="accent1">
+              <a:shade val="50000"/>
+            </a:schemeClr>
+          </a:lnRef>
+          <a:fillRef idx="1">
+            <a:schemeClr val="accent1"/>
+          </a:fillRef>
+          <a:effectRef idx="0">
+            <a:schemeClr val="accent1"/>
+          </a:effectRef>
+          <a:fontRef idx="minor">
+            <a:schemeClr val="lt1"/>
+          </a:fontRef>
+        </p:style>
+        <p:txBody>
+          <a:bodyPr rtlCol="0" anchor="ctr"/>
+          <a:lstStyle/>
+          <a:p>
+            <a:pPr algn="ctr"/>
+            <a:r>
+              <a:rPr kumimoji="1" lang="ko-KR" altLang="en-US" dirty="0">
+                <a:solidFill>
+                  <a:schemeClr val="tx1"/>
+                </a:solidFill>
+              </a:rPr>
+              <a:t>컴퓨터 포렌식</a:t>
+            </a:r>
+            <a:endParaRPr kumimoji="1" lang="ko-Kore-KR" altLang="en-US" dirty="0">
+              <a:solidFill>
+                <a:schemeClr val="tx1"/>
+              </a:solidFill>
+            </a:endParaRPr>
+          </a:p>
+        </p:txBody>
+      </p:sp>
+      <p:sp>
+        <p:nvSpPr>
+          <p:cNvPr id="19" name="직사각형 18">
+            <a:extLst>
+              <a:ext uri="{FF2B5EF4-FFF2-40B4-BE49-F238E27FC236}">
+                <a16:creationId xmlns:a16="http://schemas.microsoft.com/office/drawing/2014/main" id="{A08E62CF-971B-FCAA-3DAB-21E88876D969}"/>
+              </a:ext>
+            </a:extLst>
+          </p:cNvPr>
+          <p:cNvSpPr/>
+          <p:nvPr/>
+        </p:nvSpPr>
+        <p:spPr>
+          <a:xfrm>
+            <a:off x="442552" y="4014742"/>
+            <a:ext cx="4405649" cy="423011"/>
+          </a:xfrm>
+          <a:prstGeom prst="rect">
+            <a:avLst/>
+          </a:prstGeom>
+          <a:solidFill>
+            <a:schemeClr val="bg1"/>
+          </a:solidFill>
+          <a:ln>
+            <a:solidFill>
+              <a:schemeClr val="tx1"/>
+            </a:solidFill>
+          </a:ln>
+        </p:spPr>
+        <p:style>
+          <a:lnRef idx="2">
+            <a:schemeClr val="accent1">
+              <a:shade val="50000"/>
+            </a:schemeClr>
+          </a:lnRef>
+          <a:fillRef idx="1">
+            <a:schemeClr val="accent1"/>
+          </a:fillRef>
+          <a:effectRef idx="0">
+            <a:schemeClr val="accent1"/>
+          </a:effectRef>
+          <a:fontRef idx="minor">
+            <a:schemeClr val="lt1"/>
+          </a:fontRef>
+        </p:style>
+        <p:txBody>
+          <a:bodyPr rtlCol="0" anchor="ctr"/>
+          <a:lstStyle/>
+          <a:p>
+            <a:pPr algn="ctr"/>
+            <a:r>
+              <a:rPr kumimoji="1" lang="ko-KR" altLang="en-US" dirty="0">
+                <a:solidFill>
+                  <a:schemeClr val="tx1"/>
+                </a:solidFill>
+              </a:rPr>
+              <a:t>네트워크 포렌식</a:t>
+            </a:r>
+            <a:endParaRPr kumimoji="1" lang="ko-Kore-KR" altLang="en-US" dirty="0">
+              <a:solidFill>
+                <a:schemeClr val="tx1"/>
+              </a:solidFill>
+            </a:endParaRPr>
+          </a:p>
+        </p:txBody>
+      </p:sp>
+      <p:sp>
+        <p:nvSpPr>
+          <p:cNvPr id="20" name="직사각형 19">
+            <a:extLst>
+              <a:ext uri="{FF2B5EF4-FFF2-40B4-BE49-F238E27FC236}">
+                <a16:creationId xmlns:a16="http://schemas.microsoft.com/office/drawing/2014/main" id="{6C92EDA6-13BE-F141-35A6-254509E6D31C}"/>
+              </a:ext>
+            </a:extLst>
+          </p:cNvPr>
+          <p:cNvSpPr/>
+          <p:nvPr/>
+        </p:nvSpPr>
+        <p:spPr>
+          <a:xfrm>
+            <a:off x="7343800" y="4014742"/>
+            <a:ext cx="4405649" cy="423011"/>
+          </a:xfrm>
+          <a:prstGeom prst="rect">
+            <a:avLst/>
+          </a:prstGeom>
+          <a:solidFill>
+            <a:schemeClr val="bg1"/>
+          </a:solidFill>
+          <a:ln>
+            <a:solidFill>
+              <a:schemeClr val="tx1"/>
+            </a:solidFill>
+          </a:ln>
+        </p:spPr>
+        <p:style>
+          <a:lnRef idx="2">
+            <a:schemeClr val="accent1">
+              <a:shade val="50000"/>
+            </a:schemeClr>
+          </a:lnRef>
+          <a:fillRef idx="1">
+            <a:schemeClr val="accent1"/>
+          </a:fillRef>
+          <a:effectRef idx="0">
+            <a:schemeClr val="accent1"/>
+          </a:effectRef>
+          <a:fontRef idx="minor">
+            <a:schemeClr val="lt1"/>
+          </a:fontRef>
+        </p:style>
+        <p:txBody>
+          <a:bodyPr rtlCol="0" anchor="ctr"/>
+          <a:lstStyle/>
+          <a:p>
+            <a:pPr algn="ctr"/>
+            <a:r>
+              <a:rPr kumimoji="1" lang="ko-KR" altLang="en-US">
+                <a:solidFill>
+                  <a:schemeClr val="tx1"/>
+                </a:solidFill>
+              </a:rPr>
+              <a:t>시스템 포렌식</a:t>
+            </a:r>
+            <a:endParaRPr kumimoji="1" lang="ko-Kore-KR" altLang="en-US" dirty="0">
+              <a:solidFill>
+                <a:schemeClr val="tx1"/>
+              </a:solidFill>
+            </a:endParaRPr>
+          </a:p>
+        </p:txBody>
+      </p:sp>
+      <p:pic>
+        <p:nvPicPr>
+          <p:cNvPr id="23" name="그림 22">
+            <a:extLst>
+              <a:ext uri="{FF2B5EF4-FFF2-40B4-BE49-F238E27FC236}">
+                <a16:creationId xmlns:a16="http://schemas.microsoft.com/office/drawing/2014/main" id="{253EC61F-683E-EE89-124E-BF267E5D70EF}"/>
+              </a:ext>
+            </a:extLst>
+          </p:cNvPr>
+          <p:cNvPicPr>
+            <a:picLocks noChangeAspect="1"/>
+          </p:cNvPicPr>
+          <p:nvPr/>
+        </p:nvPicPr>
+        <p:blipFill rotWithShape="1">
+          <a:blip r:embed="rId2"/>
+          <a:srcRect l="39567" b="15811"/>
+          <a:stretch/>
+        </p:blipFill>
+        <p:spPr>
+          <a:xfrm>
+            <a:off x="1632129" y="2504540"/>
+            <a:ext cx="2026493" cy="980066"/>
+          </a:xfrm>
+          <a:prstGeom prst="rect">
+            <a:avLst/>
+          </a:prstGeom>
+        </p:spPr>
+      </p:pic>
+      <p:pic>
+        <p:nvPicPr>
+          <p:cNvPr id="25" name="그림 24">
+            <a:extLst>
+              <a:ext uri="{FF2B5EF4-FFF2-40B4-BE49-F238E27FC236}">
+                <a16:creationId xmlns:a16="http://schemas.microsoft.com/office/drawing/2014/main" id="{4B4DE01F-B047-B6A7-00F2-38AF7AB8F54C}"/>
+              </a:ext>
+            </a:extLst>
+          </p:cNvPr>
+          <p:cNvPicPr>
+            <a:picLocks noChangeAspect="1"/>
+          </p:cNvPicPr>
+          <p:nvPr/>
+        </p:nvPicPr>
+        <p:blipFill rotWithShape="1">
+          <a:blip r:embed="rId3"/>
+          <a:srcRect l="40125"/>
+          <a:stretch/>
+        </p:blipFill>
+        <p:spPr>
+          <a:xfrm>
+            <a:off x="8563116" y="2504540"/>
+            <a:ext cx="1967016" cy="980402"/>
+          </a:xfrm>
+          <a:prstGeom prst="rect">
+            <a:avLst/>
+          </a:prstGeom>
+        </p:spPr>
+      </p:pic>
+      <p:pic>
+        <p:nvPicPr>
+          <p:cNvPr id="27" name="그림 26">
+            <a:extLst>
+              <a:ext uri="{FF2B5EF4-FFF2-40B4-BE49-F238E27FC236}">
+                <a16:creationId xmlns:a16="http://schemas.microsoft.com/office/drawing/2014/main" id="{67BF90BA-7F7C-6C49-5811-257A3C831666}"/>
+              </a:ext>
+            </a:extLst>
+          </p:cNvPr>
+          <p:cNvPicPr>
+            <a:picLocks noChangeAspect="1"/>
+          </p:cNvPicPr>
+          <p:nvPr/>
+        </p:nvPicPr>
+        <p:blipFill rotWithShape="1">
+          <a:blip r:embed="rId4"/>
+          <a:srcRect l="35545"/>
+          <a:stretch/>
+        </p:blipFill>
+        <p:spPr>
+          <a:xfrm>
+            <a:off x="1632130" y="4613961"/>
+            <a:ext cx="2026493" cy="1157859"/>
+          </a:xfrm>
+          <a:prstGeom prst="rect">
+            <a:avLst/>
+          </a:prstGeom>
+        </p:spPr>
+      </p:pic>
+      <p:pic>
+        <p:nvPicPr>
+          <p:cNvPr id="29" name="그림 28">
+            <a:extLst>
+              <a:ext uri="{FF2B5EF4-FFF2-40B4-BE49-F238E27FC236}">
+                <a16:creationId xmlns:a16="http://schemas.microsoft.com/office/drawing/2014/main" id="{C7318542-6E7F-A087-DD4A-465CFDC68C61}"/>
+              </a:ext>
+            </a:extLst>
+          </p:cNvPr>
+          <p:cNvPicPr>
+            <a:picLocks noChangeAspect="1"/>
+          </p:cNvPicPr>
+          <p:nvPr/>
+        </p:nvPicPr>
+        <p:blipFill rotWithShape="1">
+          <a:blip r:embed="rId5"/>
+          <a:srcRect l="45737"/>
+          <a:stretch/>
+        </p:blipFill>
+        <p:spPr>
+          <a:xfrm>
+            <a:off x="8563116" y="4504996"/>
+            <a:ext cx="1967016" cy="1145186"/>
+          </a:xfrm>
+          <a:prstGeom prst="rect">
+            <a:avLst/>
+          </a:prstGeom>
+        </p:spPr>
+      </p:pic>
+      <p:sp>
+        <p:nvSpPr>
+          <p:cNvPr id="30" name="직사각형 29">
+            <a:extLst>
+              <a:ext uri="{FF2B5EF4-FFF2-40B4-BE49-F238E27FC236}">
+                <a16:creationId xmlns:a16="http://schemas.microsoft.com/office/drawing/2014/main" id="{42A26498-3172-3BE4-7A11-8DC47F6CE7F2}"/>
+              </a:ext>
+            </a:extLst>
+          </p:cNvPr>
+          <p:cNvSpPr/>
+          <p:nvPr/>
+        </p:nvSpPr>
+        <p:spPr>
+          <a:xfrm>
+            <a:off x="395416" y="1948687"/>
+            <a:ext cx="4559643" cy="1764518"/>
+          </a:xfrm>
+          <a:prstGeom prst="rect">
+            <a:avLst/>
+          </a:prstGeom>
+          <a:noFill/>
+          <a:ln w="38100">
+            <a:solidFill>
+              <a:srgbClr val="FF0000"/>
+            </a:solidFill>
+          </a:ln>
+        </p:spPr>
+        <p:style>
+          <a:lnRef idx="2">
+            <a:schemeClr val="accent1">
+              <a:shade val="50000"/>
+            </a:schemeClr>
+          </a:lnRef>
+          <a:fillRef idx="1">
+            <a:schemeClr val="accent1"/>
+          </a:fillRef>
+          <a:effectRef idx="0">
+            <a:schemeClr val="accent1"/>
+          </a:effectRef>
+          <a:fontRef idx="minor">
+            <a:schemeClr val="lt1"/>
+          </a:fontRef>
+        </p:style>
+        <p:txBody>
+          <a:bodyPr rtlCol="0" anchor="ctr"/>
+          <a:lstStyle/>
+          <a:p>
+            <a:pPr algn="ctr"/>
+            <a:endParaRPr lang="ko-KR" altLang="en-US"/>
+          </a:p>
+        </p:txBody>
+      </p:sp>
+    </p:spTree>
+    <p:extLst>
+      <p:ext uri="{BB962C8B-B14F-4D97-AF65-F5344CB8AC3E}">
+        <p14:creationId xmlns:p14="http://schemas.microsoft.com/office/powerpoint/2010/main" val="2881963047"/>
+      </p:ext>
+    </p:extLst>
+  </p:cSld>
+  <p:clrMapOvr>
+    <a:masterClrMapping/>
+  </p:clrMapOvr>
+</p:sld>
+</file>
+
+<file path=ppt/slides/slide20.xml><?xml version="1.0" encoding="utf-8"?>
 <p:sld xmlns:a="http://schemas.openxmlformats.org/drawingml/2006/main" xmlns:r="http://schemas.openxmlformats.org/officeDocument/2006/relationships" xmlns:p="http://schemas.openxmlformats.org/presentationml/2006/main">
   <p:cSld>
     <p:spTree>
@@ -11180,671 +12143,7 @@
 </p:sld>
 </file>
 
-<file path=ppt/slides/slide2.xml><?xml version="1.0" encoding="utf-8"?>
-<p:sld xmlns:a="http://schemas.openxmlformats.org/drawingml/2006/main" xmlns:r="http://schemas.openxmlformats.org/officeDocument/2006/relationships" xmlns:p="http://schemas.openxmlformats.org/presentationml/2006/main">
-  <p:cSld>
-    <p:spTree>
-      <p:nvGrpSpPr>
-        <p:cNvPr id="1" name=""/>
-        <p:cNvGrpSpPr/>
-        <p:nvPr/>
-      </p:nvGrpSpPr>
-      <p:grpSpPr>
-        <a:xfrm>
-          <a:off x="0" y="0"/>
-          <a:ext cx="0" cy="0"/>
-          <a:chOff x="0" y="0"/>
-          <a:chExt cx="0" cy="0"/>
-        </a:xfrm>
-      </p:grpSpPr>
-      <p:sp>
-        <p:nvSpPr>
-          <p:cNvPr id="9" name="직사각형 8"/>
-          <p:cNvSpPr/>
-          <p:nvPr/>
-        </p:nvSpPr>
-        <p:spPr>
-          <a:xfrm flipV="1">
-            <a:off x="0" y="6413881"/>
-            <a:ext cx="12192000" cy="100042"/>
-          </a:xfrm>
-          <a:prstGeom prst="rect">
-            <a:avLst/>
-          </a:prstGeom>
-          <a:solidFill>
-            <a:schemeClr val="tx1"/>
-          </a:solidFill>
-          <a:ln>
-            <a:noFill/>
-          </a:ln>
-        </p:spPr>
-        <p:style>
-          <a:lnRef idx="2">
-            <a:schemeClr val="accent1">
-              <a:shade val="50000"/>
-            </a:schemeClr>
-          </a:lnRef>
-          <a:fillRef idx="1">
-            <a:schemeClr val="accent1"/>
-          </a:fillRef>
-          <a:effectRef idx="0">
-            <a:schemeClr val="accent1"/>
-          </a:effectRef>
-          <a:fontRef idx="minor">
-            <a:schemeClr val="lt1"/>
-          </a:fontRef>
-        </p:style>
-        <p:txBody>
-          <a:bodyPr rtlCol="0" anchor="ctr"/>
-          <a:lstStyle/>
-          <a:p>
-            <a:pPr algn="ctr"/>
-            <a:endParaRPr lang="ko-KR" altLang="en-US"/>
-          </a:p>
-        </p:txBody>
-      </p:sp>
-      <p:sp>
-        <p:nvSpPr>
-          <p:cNvPr id="4" name="TextBox 3">
-            <a:extLst>
-              <a:ext uri="{FF2B5EF4-FFF2-40B4-BE49-F238E27FC236}">
-                <a16:creationId xmlns:a16="http://schemas.microsoft.com/office/drawing/2014/main" id="{B4896BEB-16E4-4FBA-8805-37759E15C1AF}"/>
-              </a:ext>
-            </a:extLst>
-          </p:cNvPr>
-          <p:cNvSpPr txBox="1"/>
-          <p:nvPr/>
-        </p:nvSpPr>
-        <p:spPr>
-          <a:xfrm>
-            <a:off x="5490706" y="415547"/>
-            <a:ext cx="1210588" cy="769441"/>
-          </a:xfrm>
-          <a:prstGeom prst="rect">
-            <a:avLst/>
-          </a:prstGeom>
-          <a:noFill/>
-        </p:spPr>
-        <p:txBody>
-          <a:bodyPr wrap="none" rtlCol="0">
-            <a:spAutoFit/>
-          </a:bodyPr>
-          <a:lstStyle/>
-          <a:p>
-            <a:pPr algn="ctr"/>
-            <a:r>
-              <a:rPr lang="ko-KR" altLang="en-US" sz="4400" b="1" dirty="0">
-                <a:ea typeface="나눔스퀘어 ExtraBold" panose="020B0600000101010101" pitchFamily="50" charset="-127"/>
-              </a:rPr>
-              <a:t>개요</a:t>
-            </a:r>
-          </a:p>
-        </p:txBody>
-      </p:sp>
-      <p:sp>
-        <p:nvSpPr>
-          <p:cNvPr id="6" name="직사각형 5">
-            <a:extLst>
-              <a:ext uri="{FF2B5EF4-FFF2-40B4-BE49-F238E27FC236}">
-                <a16:creationId xmlns:a16="http://schemas.microsoft.com/office/drawing/2014/main" id="{7B4FCEE1-FD72-BCCF-F21C-2D849A1967F4}"/>
-              </a:ext>
-            </a:extLst>
-          </p:cNvPr>
-          <p:cNvSpPr/>
-          <p:nvPr/>
-        </p:nvSpPr>
-        <p:spPr>
-          <a:xfrm>
-            <a:off x="3469433" y="1119674"/>
-            <a:ext cx="5253135" cy="65314"/>
-          </a:xfrm>
-          <a:prstGeom prst="rect">
-            <a:avLst/>
-          </a:prstGeom>
-          <a:solidFill>
-            <a:schemeClr val="tx1"/>
-          </a:solidFill>
-          <a:ln>
-            <a:noFill/>
-          </a:ln>
-        </p:spPr>
-        <p:style>
-          <a:lnRef idx="2">
-            <a:schemeClr val="accent1">
-              <a:shade val="50000"/>
-            </a:schemeClr>
-          </a:lnRef>
-          <a:fillRef idx="1">
-            <a:schemeClr val="accent1"/>
-          </a:fillRef>
-          <a:effectRef idx="0">
-            <a:schemeClr val="accent1"/>
-          </a:effectRef>
-          <a:fontRef idx="minor">
-            <a:schemeClr val="lt1"/>
-          </a:fontRef>
-        </p:style>
-        <p:txBody>
-          <a:bodyPr rtlCol="0" anchor="ctr"/>
-          <a:lstStyle/>
-          <a:p>
-            <a:pPr algn="ctr"/>
-            <a:endParaRPr lang="ko-KR" altLang="en-US"/>
-          </a:p>
-        </p:txBody>
-      </p:sp>
-      <p:sp>
-        <p:nvSpPr>
-          <p:cNvPr id="3" name="직사각형 2">
-            <a:extLst>
-              <a:ext uri="{FF2B5EF4-FFF2-40B4-BE49-F238E27FC236}">
-                <a16:creationId xmlns:a16="http://schemas.microsoft.com/office/drawing/2014/main" id="{A36DC1EC-264C-2A5A-289E-4A1AF896D2A3}"/>
-              </a:ext>
-            </a:extLst>
-          </p:cNvPr>
-          <p:cNvSpPr/>
-          <p:nvPr/>
-        </p:nvSpPr>
-        <p:spPr>
-          <a:xfrm>
-            <a:off x="3570637" y="1379607"/>
-            <a:ext cx="5050726" cy="423011"/>
-          </a:xfrm>
-          <a:prstGeom prst="rect">
-            <a:avLst/>
-          </a:prstGeom>
-          <a:solidFill>
-            <a:schemeClr val="bg1"/>
-          </a:solidFill>
-          <a:ln>
-            <a:solidFill>
-              <a:schemeClr val="tx1"/>
-            </a:solidFill>
-          </a:ln>
-        </p:spPr>
-        <p:style>
-          <a:lnRef idx="2">
-            <a:schemeClr val="accent1">
-              <a:shade val="50000"/>
-            </a:schemeClr>
-          </a:lnRef>
-          <a:fillRef idx="1">
-            <a:schemeClr val="accent1"/>
-          </a:fillRef>
-          <a:effectRef idx="0">
-            <a:schemeClr val="accent1"/>
-          </a:effectRef>
-          <a:fontRef idx="minor">
-            <a:schemeClr val="lt1"/>
-          </a:fontRef>
-        </p:style>
-        <p:txBody>
-          <a:bodyPr rtlCol="0" anchor="ctr"/>
-          <a:lstStyle/>
-          <a:p>
-            <a:pPr algn="ctr"/>
-            <a:r>
-              <a:rPr kumimoji="1" lang="ko-KR" altLang="en-US" dirty="0">
-                <a:solidFill>
-                  <a:schemeClr val="tx1"/>
-                </a:solidFill>
-              </a:rPr>
-              <a:t>디지털 포렌식</a:t>
-            </a:r>
-            <a:endParaRPr kumimoji="1" lang="ko-Kore-KR" altLang="en-US" dirty="0">
-              <a:solidFill>
-                <a:schemeClr val="tx1"/>
-              </a:solidFill>
-            </a:endParaRPr>
-          </a:p>
-        </p:txBody>
-      </p:sp>
-      <p:sp>
-        <p:nvSpPr>
-          <p:cNvPr id="11" name="직사각형 10">
-            <a:extLst>
-              <a:ext uri="{FF2B5EF4-FFF2-40B4-BE49-F238E27FC236}">
-                <a16:creationId xmlns:a16="http://schemas.microsoft.com/office/drawing/2014/main" id="{3CE35056-32E0-4CD1-F776-810460D09589}"/>
-              </a:ext>
-            </a:extLst>
-          </p:cNvPr>
-          <p:cNvSpPr/>
-          <p:nvPr/>
-        </p:nvSpPr>
-        <p:spPr>
-          <a:xfrm>
-            <a:off x="442552" y="1997237"/>
-            <a:ext cx="4405649" cy="423011"/>
-          </a:xfrm>
-          <a:prstGeom prst="rect">
-            <a:avLst/>
-          </a:prstGeom>
-          <a:solidFill>
-            <a:schemeClr val="bg1"/>
-          </a:solidFill>
-          <a:ln>
-            <a:solidFill>
-              <a:schemeClr val="tx1"/>
-            </a:solidFill>
-          </a:ln>
-        </p:spPr>
-        <p:style>
-          <a:lnRef idx="2">
-            <a:schemeClr val="accent1">
-              <a:shade val="50000"/>
-            </a:schemeClr>
-          </a:lnRef>
-          <a:fillRef idx="1">
-            <a:schemeClr val="accent1"/>
-          </a:fillRef>
-          <a:effectRef idx="0">
-            <a:schemeClr val="accent1"/>
-          </a:effectRef>
-          <a:fontRef idx="minor">
-            <a:schemeClr val="lt1"/>
-          </a:fontRef>
-        </p:style>
-        <p:txBody>
-          <a:bodyPr rtlCol="0" anchor="ctr"/>
-          <a:lstStyle/>
-          <a:p>
-            <a:pPr algn="ctr"/>
-            <a:r>
-              <a:rPr kumimoji="1" lang="ko-KR" altLang="en-US">
-                <a:solidFill>
-                  <a:schemeClr val="tx1"/>
-                </a:solidFill>
-              </a:rPr>
-              <a:t>모바일 포렌식</a:t>
-            </a:r>
-            <a:endParaRPr kumimoji="1" lang="ko-Kore-KR" altLang="en-US" dirty="0">
-              <a:solidFill>
-                <a:schemeClr val="tx1"/>
-              </a:solidFill>
-            </a:endParaRPr>
-          </a:p>
-        </p:txBody>
-      </p:sp>
-      <p:sp>
-        <p:nvSpPr>
-          <p:cNvPr id="12" name="직사각형 11">
-            <a:extLst>
-              <a:ext uri="{FF2B5EF4-FFF2-40B4-BE49-F238E27FC236}">
-                <a16:creationId xmlns:a16="http://schemas.microsoft.com/office/drawing/2014/main" id="{6FBBFF02-E29F-A468-49D4-FF10143B4B64}"/>
-              </a:ext>
-            </a:extLst>
-          </p:cNvPr>
-          <p:cNvSpPr/>
-          <p:nvPr/>
-        </p:nvSpPr>
-        <p:spPr>
-          <a:xfrm>
-            <a:off x="7343800" y="1997237"/>
-            <a:ext cx="4405649" cy="423011"/>
-          </a:xfrm>
-          <a:prstGeom prst="rect">
-            <a:avLst/>
-          </a:prstGeom>
-          <a:solidFill>
-            <a:schemeClr val="bg1"/>
-          </a:solidFill>
-          <a:ln>
-            <a:solidFill>
-              <a:schemeClr val="tx1"/>
-            </a:solidFill>
-          </a:ln>
-        </p:spPr>
-        <p:style>
-          <a:lnRef idx="2">
-            <a:schemeClr val="accent1">
-              <a:shade val="50000"/>
-            </a:schemeClr>
-          </a:lnRef>
-          <a:fillRef idx="1">
-            <a:schemeClr val="accent1"/>
-          </a:fillRef>
-          <a:effectRef idx="0">
-            <a:schemeClr val="accent1"/>
-          </a:effectRef>
-          <a:fontRef idx="minor">
-            <a:schemeClr val="lt1"/>
-          </a:fontRef>
-        </p:style>
-        <p:txBody>
-          <a:bodyPr rtlCol="0" anchor="ctr"/>
-          <a:lstStyle/>
-          <a:p>
-            <a:pPr algn="ctr"/>
-            <a:r>
-              <a:rPr kumimoji="1" lang="ko-KR" altLang="en-US" dirty="0">
-                <a:solidFill>
-                  <a:schemeClr val="tx1"/>
-                </a:solidFill>
-              </a:rPr>
-              <a:t>컴퓨터 포렌식</a:t>
-            </a:r>
-            <a:endParaRPr kumimoji="1" lang="ko-Kore-KR" altLang="en-US" dirty="0">
-              <a:solidFill>
-                <a:schemeClr val="tx1"/>
-              </a:solidFill>
-            </a:endParaRPr>
-          </a:p>
-        </p:txBody>
-      </p:sp>
-      <p:sp>
-        <p:nvSpPr>
-          <p:cNvPr id="19" name="직사각형 18">
-            <a:extLst>
-              <a:ext uri="{FF2B5EF4-FFF2-40B4-BE49-F238E27FC236}">
-                <a16:creationId xmlns:a16="http://schemas.microsoft.com/office/drawing/2014/main" id="{A08E62CF-971B-FCAA-3DAB-21E88876D969}"/>
-              </a:ext>
-            </a:extLst>
-          </p:cNvPr>
-          <p:cNvSpPr/>
-          <p:nvPr/>
-        </p:nvSpPr>
-        <p:spPr>
-          <a:xfrm>
-            <a:off x="442552" y="4014742"/>
-            <a:ext cx="4405649" cy="423011"/>
-          </a:xfrm>
-          <a:prstGeom prst="rect">
-            <a:avLst/>
-          </a:prstGeom>
-          <a:solidFill>
-            <a:schemeClr val="bg1"/>
-          </a:solidFill>
-          <a:ln>
-            <a:solidFill>
-              <a:schemeClr val="tx1"/>
-            </a:solidFill>
-          </a:ln>
-        </p:spPr>
-        <p:style>
-          <a:lnRef idx="2">
-            <a:schemeClr val="accent1">
-              <a:shade val="50000"/>
-            </a:schemeClr>
-          </a:lnRef>
-          <a:fillRef idx="1">
-            <a:schemeClr val="accent1"/>
-          </a:fillRef>
-          <a:effectRef idx="0">
-            <a:schemeClr val="accent1"/>
-          </a:effectRef>
-          <a:fontRef idx="minor">
-            <a:schemeClr val="lt1"/>
-          </a:fontRef>
-        </p:style>
-        <p:txBody>
-          <a:bodyPr rtlCol="0" anchor="ctr"/>
-          <a:lstStyle/>
-          <a:p>
-            <a:pPr algn="ctr"/>
-            <a:r>
-              <a:rPr kumimoji="1" lang="ko-KR" altLang="en-US" dirty="0">
-                <a:solidFill>
-                  <a:schemeClr val="tx1"/>
-                </a:solidFill>
-              </a:rPr>
-              <a:t>네트워크 포렌식</a:t>
-            </a:r>
-            <a:endParaRPr kumimoji="1" lang="ko-Kore-KR" altLang="en-US" dirty="0">
-              <a:solidFill>
-                <a:schemeClr val="tx1"/>
-              </a:solidFill>
-            </a:endParaRPr>
-          </a:p>
-        </p:txBody>
-      </p:sp>
-      <p:sp>
-        <p:nvSpPr>
-          <p:cNvPr id="20" name="직사각형 19">
-            <a:extLst>
-              <a:ext uri="{FF2B5EF4-FFF2-40B4-BE49-F238E27FC236}">
-                <a16:creationId xmlns:a16="http://schemas.microsoft.com/office/drawing/2014/main" id="{6C92EDA6-13BE-F141-35A6-254509E6D31C}"/>
-              </a:ext>
-            </a:extLst>
-          </p:cNvPr>
-          <p:cNvSpPr/>
-          <p:nvPr/>
-        </p:nvSpPr>
-        <p:spPr>
-          <a:xfrm>
-            <a:off x="7343800" y="4014742"/>
-            <a:ext cx="4405649" cy="423011"/>
-          </a:xfrm>
-          <a:prstGeom prst="rect">
-            <a:avLst/>
-          </a:prstGeom>
-          <a:solidFill>
-            <a:schemeClr val="bg1"/>
-          </a:solidFill>
-          <a:ln>
-            <a:solidFill>
-              <a:schemeClr val="tx1"/>
-            </a:solidFill>
-          </a:ln>
-        </p:spPr>
-        <p:style>
-          <a:lnRef idx="2">
-            <a:schemeClr val="accent1">
-              <a:shade val="50000"/>
-            </a:schemeClr>
-          </a:lnRef>
-          <a:fillRef idx="1">
-            <a:schemeClr val="accent1"/>
-          </a:fillRef>
-          <a:effectRef idx="0">
-            <a:schemeClr val="accent1"/>
-          </a:effectRef>
-          <a:fontRef idx="minor">
-            <a:schemeClr val="lt1"/>
-          </a:fontRef>
-        </p:style>
-        <p:txBody>
-          <a:bodyPr rtlCol="0" anchor="ctr"/>
-          <a:lstStyle/>
-          <a:p>
-            <a:pPr algn="ctr"/>
-            <a:r>
-              <a:rPr kumimoji="1" lang="ko-KR" altLang="en-US">
-                <a:solidFill>
-                  <a:schemeClr val="tx1"/>
-                </a:solidFill>
-              </a:rPr>
-              <a:t>시스템 포렌식</a:t>
-            </a:r>
-            <a:endParaRPr kumimoji="1" lang="ko-Kore-KR" altLang="en-US" dirty="0">
-              <a:solidFill>
-                <a:schemeClr val="tx1"/>
-              </a:solidFill>
-            </a:endParaRPr>
-          </a:p>
-        </p:txBody>
-      </p:sp>
-      <p:pic>
-        <p:nvPicPr>
-          <p:cNvPr id="23" name="그림 22">
-            <a:extLst>
-              <a:ext uri="{FF2B5EF4-FFF2-40B4-BE49-F238E27FC236}">
-                <a16:creationId xmlns:a16="http://schemas.microsoft.com/office/drawing/2014/main" id="{253EC61F-683E-EE89-124E-BF267E5D70EF}"/>
-              </a:ext>
-            </a:extLst>
-          </p:cNvPr>
-          <p:cNvPicPr>
-            <a:picLocks noChangeAspect="1"/>
-          </p:cNvPicPr>
-          <p:nvPr/>
-        </p:nvPicPr>
-        <p:blipFill rotWithShape="1">
-          <a:blip r:embed="rId2"/>
-          <a:srcRect l="39567" b="15811"/>
-          <a:stretch/>
-        </p:blipFill>
-        <p:spPr>
-          <a:xfrm>
-            <a:off x="1632129" y="2504540"/>
-            <a:ext cx="2026493" cy="980066"/>
-          </a:xfrm>
-          <a:prstGeom prst="rect">
-            <a:avLst/>
-          </a:prstGeom>
-        </p:spPr>
-      </p:pic>
-      <p:pic>
-        <p:nvPicPr>
-          <p:cNvPr id="25" name="그림 24">
-            <a:extLst>
-              <a:ext uri="{FF2B5EF4-FFF2-40B4-BE49-F238E27FC236}">
-                <a16:creationId xmlns:a16="http://schemas.microsoft.com/office/drawing/2014/main" id="{4B4DE01F-B047-B6A7-00F2-38AF7AB8F54C}"/>
-              </a:ext>
-            </a:extLst>
-          </p:cNvPr>
-          <p:cNvPicPr>
-            <a:picLocks noChangeAspect="1"/>
-          </p:cNvPicPr>
-          <p:nvPr/>
-        </p:nvPicPr>
-        <p:blipFill rotWithShape="1">
-          <a:blip r:embed="rId3"/>
-          <a:srcRect l="40125"/>
-          <a:stretch/>
-        </p:blipFill>
-        <p:spPr>
-          <a:xfrm>
-            <a:off x="8563116" y="2504540"/>
-            <a:ext cx="1967016" cy="980402"/>
-          </a:xfrm>
-          <a:prstGeom prst="rect">
-            <a:avLst/>
-          </a:prstGeom>
-        </p:spPr>
-      </p:pic>
-      <p:pic>
-        <p:nvPicPr>
-          <p:cNvPr id="27" name="그림 26">
-            <a:extLst>
-              <a:ext uri="{FF2B5EF4-FFF2-40B4-BE49-F238E27FC236}">
-                <a16:creationId xmlns:a16="http://schemas.microsoft.com/office/drawing/2014/main" id="{67BF90BA-7F7C-6C49-5811-257A3C831666}"/>
-              </a:ext>
-            </a:extLst>
-          </p:cNvPr>
-          <p:cNvPicPr>
-            <a:picLocks noChangeAspect="1"/>
-          </p:cNvPicPr>
-          <p:nvPr/>
-        </p:nvPicPr>
-        <p:blipFill rotWithShape="1">
-          <a:blip r:embed="rId4"/>
-          <a:srcRect l="35545"/>
-          <a:stretch/>
-        </p:blipFill>
-        <p:spPr>
-          <a:xfrm>
-            <a:off x="1632130" y="4613961"/>
-            <a:ext cx="2026493" cy="1157859"/>
-          </a:xfrm>
-          <a:prstGeom prst="rect">
-            <a:avLst/>
-          </a:prstGeom>
-        </p:spPr>
-      </p:pic>
-      <p:pic>
-        <p:nvPicPr>
-          <p:cNvPr id="29" name="그림 28">
-            <a:extLst>
-              <a:ext uri="{FF2B5EF4-FFF2-40B4-BE49-F238E27FC236}">
-                <a16:creationId xmlns:a16="http://schemas.microsoft.com/office/drawing/2014/main" id="{C7318542-6E7F-A087-DD4A-465CFDC68C61}"/>
-              </a:ext>
-            </a:extLst>
-          </p:cNvPr>
-          <p:cNvPicPr>
-            <a:picLocks noChangeAspect="1"/>
-          </p:cNvPicPr>
-          <p:nvPr/>
-        </p:nvPicPr>
-        <p:blipFill rotWithShape="1">
-          <a:blip r:embed="rId5"/>
-          <a:srcRect l="45737"/>
-          <a:stretch/>
-        </p:blipFill>
-        <p:spPr>
-          <a:xfrm>
-            <a:off x="8563116" y="4504996"/>
-            <a:ext cx="1967016" cy="1145186"/>
-          </a:xfrm>
-          <a:prstGeom prst="rect">
-            <a:avLst/>
-          </a:prstGeom>
-        </p:spPr>
-      </p:pic>
-      <p:sp>
-        <p:nvSpPr>
-          <p:cNvPr id="30" name="직사각형 29">
-            <a:extLst>
-              <a:ext uri="{FF2B5EF4-FFF2-40B4-BE49-F238E27FC236}">
-                <a16:creationId xmlns:a16="http://schemas.microsoft.com/office/drawing/2014/main" id="{42A26498-3172-3BE4-7A11-8DC47F6CE7F2}"/>
-              </a:ext>
-            </a:extLst>
-          </p:cNvPr>
-          <p:cNvSpPr/>
-          <p:nvPr/>
-        </p:nvSpPr>
-        <p:spPr>
-          <a:xfrm>
-            <a:off x="395416" y="1948687"/>
-            <a:ext cx="4559643" cy="1764518"/>
-          </a:xfrm>
-          <a:prstGeom prst="rect">
-            <a:avLst/>
-          </a:prstGeom>
-          <a:noFill/>
-          <a:ln w="38100">
-            <a:solidFill>
-              <a:srgbClr val="FF0000"/>
-            </a:solidFill>
-          </a:ln>
-        </p:spPr>
-        <p:style>
-          <a:lnRef idx="2">
-            <a:schemeClr val="accent1">
-              <a:shade val="50000"/>
-            </a:schemeClr>
-          </a:lnRef>
-          <a:fillRef idx="1">
-            <a:schemeClr val="accent1"/>
-          </a:fillRef>
-          <a:effectRef idx="0">
-            <a:schemeClr val="accent1"/>
-          </a:effectRef>
-          <a:fontRef idx="minor">
-            <a:schemeClr val="lt1"/>
-          </a:fontRef>
-        </p:style>
-        <p:txBody>
-          <a:bodyPr rtlCol="0" anchor="ctr"/>
-          <a:lstStyle/>
-          <a:p>
-            <a:pPr algn="ctr"/>
-            <a:endParaRPr lang="ko-KR" altLang="en-US"/>
-          </a:p>
-        </p:txBody>
-      </p:sp>
-    </p:spTree>
-    <p:extLst>
-      <p:ext uri="{BB962C8B-B14F-4D97-AF65-F5344CB8AC3E}">
-        <p14:creationId xmlns:p14="http://schemas.microsoft.com/office/powerpoint/2010/main" val="2881963047"/>
-      </p:ext>
-    </p:extLst>
-  </p:cSld>
-  <p:clrMapOvr>
-    <a:masterClrMapping/>
-  </p:clrMapOvr>
-</p:sld>
-</file>
-
-<file path=ppt/slides/slide20.xml><?xml version="1.0" encoding="utf-8"?>
+<file path=ppt/slides/slide21.xml><?xml version="1.0" encoding="utf-8"?>
 <p:sld xmlns:a="http://schemas.openxmlformats.org/drawingml/2006/main" xmlns:r="http://schemas.openxmlformats.org/officeDocument/2006/relationships" xmlns:p="http://schemas.openxmlformats.org/presentationml/2006/main">
   <p:cSld>
     <p:spTree>
